--- a/需求分析/演示文稿1.pptx
+++ b/需求分析/演示文稿1.pptx
@@ -29,6 +29,9 @@
     <p:sldId id="283" r:id="rId22"/>
     <p:sldId id="284" r:id="rId23"/>
     <p:sldId id="285" r:id="rId24"/>
+    <p:sldId id="286" r:id="rId25"/>
+    <p:sldId id="287" r:id="rId26"/>
+    <p:sldId id="288" r:id="rId27"/>
   </p:sldIdLst>
   <p:sldSz cx="12192000" cy="6858000"/>
   <p:notesSz cx="6858000" cy="9144000"/>
@@ -963,7 +966,139 @@
 </p:notes>
 </file>
 
+<file path=ppt/notesSlides/notesSlide18.xml><?xml version="1.0" encoding="utf-8"?>
+<p:notes xmlns:a="http://schemas.openxmlformats.org/drawingml/2006/main" xmlns:r="http://schemas.openxmlformats.org/officeDocument/2006/relationships" xmlns:p="http://schemas.openxmlformats.org/presentationml/2006/main">
+  <p:cSld>
+    <p:spTree>
+      <p:nvGrpSpPr>
+        <p:cNvPr id="1" name=""/>
+        <p:cNvGrpSpPr/>
+        <p:nvPr/>
+      </p:nvGrpSpPr>
+      <p:grpSpPr/>
+      <p:sp>
+        <p:nvSpPr>
+          <p:cNvPr id="2" name="幻灯片图像占位符 1"/>
+          <p:cNvSpPr/>
+          <p:nvPr>
+            <p:ph type="sldImg" idx="2"/>
+          </p:nvPr>
+        </p:nvSpPr>
+        <p:spPr/>
+      </p:sp>
+      <p:sp>
+        <p:nvSpPr>
+          <p:cNvPr id="3" name="文本占位符 2"/>
+          <p:cNvSpPr/>
+          <p:nvPr>
+            <p:ph type="body" idx="3"/>
+          </p:nvPr>
+        </p:nvSpPr>
+        <p:spPr/>
+        <p:txBody>
+          <a:bodyPr/>
+          <a:p>
+            <a:endParaRPr lang="zh-CN" altLang="en-US"/>
+          </a:p>
+        </p:txBody>
+      </p:sp>
+    </p:spTree>
+  </p:cSld>
+  <p:clrMapOvr>
+    <a:masterClrMapping/>
+  </p:clrMapOvr>
+</p:notes>
+</file>
+
+<file path=ppt/notesSlides/notesSlide19.xml><?xml version="1.0" encoding="utf-8"?>
+<p:notes xmlns:a="http://schemas.openxmlformats.org/drawingml/2006/main" xmlns:r="http://schemas.openxmlformats.org/officeDocument/2006/relationships" xmlns:p="http://schemas.openxmlformats.org/presentationml/2006/main">
+  <p:cSld>
+    <p:spTree>
+      <p:nvGrpSpPr>
+        <p:cNvPr id="1" name=""/>
+        <p:cNvGrpSpPr/>
+        <p:nvPr/>
+      </p:nvGrpSpPr>
+      <p:grpSpPr/>
+      <p:sp>
+        <p:nvSpPr>
+          <p:cNvPr id="2" name="幻灯片图像占位符 1"/>
+          <p:cNvSpPr/>
+          <p:nvPr>
+            <p:ph type="sldImg" idx="2"/>
+          </p:nvPr>
+        </p:nvSpPr>
+        <p:spPr/>
+      </p:sp>
+      <p:sp>
+        <p:nvSpPr>
+          <p:cNvPr id="3" name="文本占位符 2"/>
+          <p:cNvSpPr/>
+          <p:nvPr>
+            <p:ph type="body" idx="3"/>
+          </p:nvPr>
+        </p:nvSpPr>
+        <p:spPr/>
+        <p:txBody>
+          <a:bodyPr/>
+          <a:p>
+            <a:endParaRPr lang="zh-CN" altLang="en-US"/>
+          </a:p>
+        </p:txBody>
+      </p:sp>
+    </p:spTree>
+  </p:cSld>
+  <p:clrMapOvr>
+    <a:masterClrMapping/>
+  </p:clrMapOvr>
+</p:notes>
+</file>
+
 <file path=ppt/notesSlides/notesSlide2.xml><?xml version="1.0" encoding="utf-8"?>
+<p:notes xmlns:a="http://schemas.openxmlformats.org/drawingml/2006/main" xmlns:r="http://schemas.openxmlformats.org/officeDocument/2006/relationships" xmlns:p="http://schemas.openxmlformats.org/presentationml/2006/main">
+  <p:cSld>
+    <p:spTree>
+      <p:nvGrpSpPr>
+        <p:cNvPr id="1" name=""/>
+        <p:cNvGrpSpPr/>
+        <p:nvPr/>
+      </p:nvGrpSpPr>
+      <p:grpSpPr/>
+      <p:sp>
+        <p:nvSpPr>
+          <p:cNvPr id="2" name="幻灯片图像占位符 1"/>
+          <p:cNvSpPr/>
+          <p:nvPr>
+            <p:ph type="sldImg" idx="2"/>
+          </p:nvPr>
+        </p:nvSpPr>
+        <p:spPr/>
+      </p:sp>
+      <p:sp>
+        <p:nvSpPr>
+          <p:cNvPr id="3" name="文本占位符 2"/>
+          <p:cNvSpPr/>
+          <p:nvPr>
+            <p:ph type="body" idx="3"/>
+          </p:nvPr>
+        </p:nvSpPr>
+        <p:spPr/>
+        <p:txBody>
+          <a:bodyPr/>
+          <a:p>
+            <a:endParaRPr lang="zh-CN" altLang="en-US"/>
+          </a:p>
+        </p:txBody>
+      </p:sp>
+    </p:spTree>
+  </p:cSld>
+  <p:clrMapOvr>
+    <a:masterClrMapping/>
+  </p:clrMapOvr>
+</p:notes>
+</file>
+
+<file path=ppt/notesSlides/notesSlide20.xml><?xml version="1.0" encoding="utf-8"?>
 <p:notes xmlns:a="http://schemas.openxmlformats.org/drawingml/2006/main" xmlns:r="http://schemas.openxmlformats.org/officeDocument/2006/relationships" xmlns:p="http://schemas.openxmlformats.org/presentationml/2006/main">
   <p:cSld>
     <p:spTree>
@@ -10759,7 +10894,7 @@
         <p:spPr>
           <a:xfrm>
             <a:off x="5689600" y="2780665"/>
-            <a:ext cx="4643438" cy="922020"/>
+            <a:ext cx="5174615" cy="922020"/>
           </a:xfrm>
           <a:prstGeom prst="rect">
             <a:avLst/>
@@ -10770,7 +10905,7 @@
           </a:ln>
         </p:spPr>
         <p:txBody>
-          <a:bodyPr>
+          <a:bodyPr wrap="square">
             <a:spAutoFit/>
           </a:bodyPr>
           <a:lstStyle>
@@ -10898,7 +11033,7 @@
                 <a:latin typeface="微软雅黑" panose="020B0503020204020204" pitchFamily="34" charset="-122"/>
                 <a:ea typeface="微软雅黑" panose="020B0503020204020204" pitchFamily="34" charset="-122"/>
               </a:rPr>
-              <a:t>相关流程</a:t>
+              <a:t>相关流程与状态</a:t>
             </a:r>
             <a:endParaRPr lang="zh-CN" altLang="en-US" sz="5400" b="1" dirty="0">
               <a:solidFill>
@@ -11173,6 +11308,897 @@
           <a:ln w="9525">
             <a:noFill/>
           </a:ln>
+        </p:spPr>
+      </p:pic>
+      <p:pic>
+        <p:nvPicPr>
+          <p:cNvPr id="2" name="图片 1" descr="订单流程-重绘"/>
+          <p:cNvPicPr>
+            <a:picLocks noChangeAspect="1"/>
+          </p:cNvPicPr>
+          <p:nvPr/>
+        </p:nvPicPr>
+        <p:blipFill>
+          <a:blip r:embed="rId4"/>
+          <a:stretch>
+            <a:fillRect/>
+          </a:stretch>
+        </p:blipFill>
+        <p:spPr>
+          <a:xfrm>
+            <a:off x="3283585" y="1537970"/>
+            <a:ext cx="4657090" cy="5001895"/>
+          </a:xfrm>
+          <a:prstGeom prst="rect">
+            <a:avLst/>
+          </a:prstGeom>
+        </p:spPr>
+      </p:pic>
+    </p:spTree>
+  </p:cSld>
+  <p:clrMapOvr>
+    <a:masterClrMapping/>
+  </p:clrMapOvr>
+</p:sld>
+</file>
+
+<file path=ppt/slides/slide22.xml><?xml version="1.0" encoding="utf-8"?>
+<p:sld xmlns:a="http://schemas.openxmlformats.org/drawingml/2006/main" xmlns:r="http://schemas.openxmlformats.org/officeDocument/2006/relationships" xmlns:p="http://schemas.openxmlformats.org/presentationml/2006/main">
+  <p:cSld>
+    <p:spTree>
+      <p:nvGrpSpPr>
+        <p:cNvPr id="1" name=""/>
+        <p:cNvGrpSpPr/>
+        <p:nvPr/>
+      </p:nvGrpSpPr>
+      <p:grpSpPr/>
+      <p:pic>
+        <p:nvPicPr>
+          <p:cNvPr id="7170" name="图片 5"/>
+          <p:cNvPicPr>
+            <a:picLocks noChangeAspect="1"/>
+          </p:cNvPicPr>
+          <p:nvPr/>
+        </p:nvPicPr>
+        <p:blipFill>
+          <a:blip r:embed="rId1"/>
+          <a:srcRect b="15288"/>
+          <a:stretch>
+            <a:fillRect/>
+          </a:stretch>
+        </p:blipFill>
+        <p:spPr>
+          <a:xfrm>
+            <a:off x="0" y="0"/>
+            <a:ext cx="12192000" cy="6858000"/>
+          </a:xfrm>
+          <a:prstGeom prst="rect">
+            <a:avLst/>
+          </a:prstGeom>
+          <a:noFill/>
+          <a:ln w="9525">
+            <a:noFill/>
+          </a:ln>
+        </p:spPr>
+      </p:pic>
+      <p:pic>
+        <p:nvPicPr>
+          <p:cNvPr id="7171" name="图片 1"/>
+          <p:cNvPicPr>
+            <a:picLocks noChangeAspect="1"/>
+          </p:cNvPicPr>
+          <p:nvPr/>
+        </p:nvPicPr>
+        <p:blipFill>
+          <a:blip r:embed="rId2"/>
+          <a:srcRect l="32378" t="20253" r="51105" b="53165"/>
+          <a:stretch>
+            <a:fillRect/>
+          </a:stretch>
+        </p:blipFill>
+        <p:spPr>
+          <a:xfrm>
+            <a:off x="3354388" y="207645"/>
+            <a:ext cx="1584325" cy="1330325"/>
+          </a:xfrm>
+          <a:prstGeom prst="rect">
+            <a:avLst/>
+          </a:prstGeom>
+          <a:noFill/>
+          <a:ln w="9525">
+            <a:noFill/>
+          </a:ln>
+        </p:spPr>
+      </p:pic>
+      <p:sp>
+        <p:nvSpPr>
+          <p:cNvPr id="7172" name="文本框 4"/>
+          <p:cNvSpPr txBox="1"/>
+          <p:nvPr/>
+        </p:nvSpPr>
+        <p:spPr>
+          <a:xfrm>
+            <a:off x="3541395" y="519430"/>
+            <a:ext cx="4759960" cy="706755"/>
+          </a:xfrm>
+          <a:prstGeom prst="rect">
+            <a:avLst/>
+          </a:prstGeom>
+          <a:noFill/>
+          <a:ln w="9525">
+            <a:noFill/>
+          </a:ln>
+        </p:spPr>
+        <p:txBody>
+          <a:bodyPr wrap="square">
+            <a:spAutoFit/>
+          </a:bodyPr>
+          <a:lstStyle>
+            <a:lvl1pPr marL="228600" indent="-228600" algn="l" rtl="0" fontAlgn="base">
+              <a:lnSpc>
+                <a:spcPct val="90000"/>
+              </a:lnSpc>
+              <a:spcBef>
+                <a:spcPts val="1000"/>
+              </a:spcBef>
+              <a:spcAft>
+                <a:spcPct val="0"/>
+              </a:spcAft>
+              <a:buFont typeface="Arial" panose="020B0604020202020204" pitchFamily="34" charset="0"/>
+              <a:buChar char="•"/>
+              <a:defRPr sz="2800" kern="1200">
+                <a:solidFill>
+                  <a:schemeClr val="tx1"/>
+                </a:solidFill>
+                <a:latin typeface="+mn-lt"/>
+                <a:ea typeface="+mn-ea"/>
+                <a:cs typeface="+mn-cs"/>
+              </a:defRPr>
+            </a:lvl1pPr>
+            <a:lvl2pPr marL="685800" indent="-228600" algn="l" rtl="0" fontAlgn="base">
+              <a:lnSpc>
+                <a:spcPct val="90000"/>
+              </a:lnSpc>
+              <a:spcBef>
+                <a:spcPts val="500"/>
+              </a:spcBef>
+              <a:spcAft>
+                <a:spcPct val="0"/>
+              </a:spcAft>
+              <a:buFont typeface="Arial" panose="020B0604020202020204" pitchFamily="34" charset="0"/>
+              <a:buChar char="•"/>
+              <a:defRPr sz="2400" kern="1200">
+                <a:solidFill>
+                  <a:schemeClr val="tx1"/>
+                </a:solidFill>
+                <a:latin typeface="+mn-lt"/>
+                <a:ea typeface="+mn-ea"/>
+                <a:cs typeface="+mn-cs"/>
+              </a:defRPr>
+            </a:lvl2pPr>
+            <a:lvl3pPr marL="1143000" indent="-228600" algn="l" rtl="0" fontAlgn="base">
+              <a:lnSpc>
+                <a:spcPct val="90000"/>
+              </a:lnSpc>
+              <a:spcBef>
+                <a:spcPts val="500"/>
+              </a:spcBef>
+              <a:spcAft>
+                <a:spcPct val="0"/>
+              </a:spcAft>
+              <a:buFont typeface="Arial" panose="020B0604020202020204" pitchFamily="34" charset="0"/>
+              <a:buChar char="•"/>
+              <a:defRPr sz="2000" kern="1200">
+                <a:solidFill>
+                  <a:schemeClr val="tx1"/>
+                </a:solidFill>
+                <a:latin typeface="+mn-lt"/>
+                <a:ea typeface="+mn-ea"/>
+                <a:cs typeface="+mn-cs"/>
+              </a:defRPr>
+            </a:lvl3pPr>
+            <a:lvl4pPr marL="1600200" indent="-228600" algn="l" rtl="0" fontAlgn="base">
+              <a:lnSpc>
+                <a:spcPct val="90000"/>
+              </a:lnSpc>
+              <a:spcBef>
+                <a:spcPts val="500"/>
+              </a:spcBef>
+              <a:spcAft>
+                <a:spcPct val="0"/>
+              </a:spcAft>
+              <a:buFont typeface="Arial" panose="020B0604020202020204" pitchFamily="34" charset="0"/>
+              <a:buChar char="•"/>
+              <a:defRPr kern="1200">
+                <a:solidFill>
+                  <a:schemeClr val="tx1"/>
+                </a:solidFill>
+                <a:latin typeface="+mn-lt"/>
+                <a:ea typeface="+mn-ea"/>
+                <a:cs typeface="+mn-cs"/>
+              </a:defRPr>
+            </a:lvl4pPr>
+            <a:lvl5pPr marL="2057400" indent="-228600" algn="l" rtl="0" fontAlgn="base">
+              <a:lnSpc>
+                <a:spcPct val="90000"/>
+              </a:lnSpc>
+              <a:spcBef>
+                <a:spcPts val="500"/>
+              </a:spcBef>
+              <a:spcAft>
+                <a:spcPct val="0"/>
+              </a:spcAft>
+              <a:buFont typeface="Arial" panose="020B0604020202020204" pitchFamily="34" charset="0"/>
+              <a:buChar char="•"/>
+              <a:defRPr kern="1200">
+                <a:solidFill>
+                  <a:schemeClr val="tx1"/>
+                </a:solidFill>
+                <a:latin typeface="+mn-lt"/>
+                <a:ea typeface="+mn-ea"/>
+                <a:cs typeface="+mn-cs"/>
+              </a:defRPr>
+            </a:lvl5pPr>
+          </a:lstStyle>
+          <a:p>
+            <a:pPr marL="0" lvl="0" indent="0" algn="ctr" eaLnBrk="1" hangingPunct="1">
+              <a:lnSpc>
+                <a:spcPct val="100000"/>
+              </a:lnSpc>
+              <a:spcBef>
+                <a:spcPct val="0"/>
+              </a:spcBef>
+              <a:buNone/>
+            </a:pPr>
+            <a:r>
+              <a:rPr lang="zh-CN" altLang="en-US" sz="4000" b="1" dirty="0">
+                <a:solidFill>
+                  <a:srgbClr val="3D6C29"/>
+                </a:solidFill>
+                <a:latin typeface="微软雅黑" panose="020B0503020204020204" pitchFamily="34" charset="-122"/>
+                <a:ea typeface="微软雅黑" panose="020B0503020204020204" pitchFamily="34" charset="-122"/>
+              </a:rPr>
+              <a:t>订单状态</a:t>
+            </a:r>
+            <a:endParaRPr lang="zh-CN" altLang="en-US" sz="4000" b="1" dirty="0">
+              <a:solidFill>
+                <a:srgbClr val="3D6C29"/>
+              </a:solidFill>
+              <a:latin typeface="微软雅黑" panose="020B0503020204020204" pitchFamily="34" charset="-122"/>
+              <a:ea typeface="微软雅黑" panose="020B0503020204020204" pitchFamily="34" charset="-122"/>
+            </a:endParaRPr>
+          </a:p>
+        </p:txBody>
+      </p:sp>
+      <p:pic>
+        <p:nvPicPr>
+          <p:cNvPr id="7173" name="图片 6"/>
+          <p:cNvPicPr>
+            <a:picLocks noChangeAspect="1"/>
+          </p:cNvPicPr>
+          <p:nvPr/>
+        </p:nvPicPr>
+        <p:blipFill>
+          <a:blip r:embed="rId3"/>
+          <a:srcRect l="51105" t="20253" r="32378" b="53165"/>
+          <a:stretch>
+            <a:fillRect/>
+          </a:stretch>
+        </p:blipFill>
+        <p:spPr>
+          <a:xfrm>
+            <a:off x="6913563" y="207645"/>
+            <a:ext cx="1584325" cy="1330325"/>
+          </a:xfrm>
+          <a:prstGeom prst="rect">
+            <a:avLst/>
+          </a:prstGeom>
+          <a:noFill/>
+          <a:ln w="9525">
+            <a:noFill/>
+          </a:ln>
+        </p:spPr>
+      </p:pic>
+      <p:pic>
+        <p:nvPicPr>
+          <p:cNvPr id="3" name="图片 2" descr="订单状态-重绘"/>
+          <p:cNvPicPr>
+            <a:picLocks noChangeAspect="1"/>
+          </p:cNvPicPr>
+          <p:nvPr/>
+        </p:nvPicPr>
+        <p:blipFill>
+          <a:blip r:embed="rId4"/>
+          <a:stretch>
+            <a:fillRect/>
+          </a:stretch>
+        </p:blipFill>
+        <p:spPr>
+          <a:xfrm>
+            <a:off x="3541395" y="1537970"/>
+            <a:ext cx="5176520" cy="5231130"/>
+          </a:xfrm>
+          <a:prstGeom prst="rect">
+            <a:avLst/>
+          </a:prstGeom>
+        </p:spPr>
+      </p:pic>
+    </p:spTree>
+  </p:cSld>
+  <p:clrMapOvr>
+    <a:masterClrMapping/>
+  </p:clrMapOvr>
+</p:sld>
+</file>
+
+<file path=ppt/slides/slide23.xml><?xml version="1.0" encoding="utf-8"?>
+<p:sld xmlns:a="http://schemas.openxmlformats.org/drawingml/2006/main" xmlns:r="http://schemas.openxmlformats.org/officeDocument/2006/relationships" xmlns:p="http://schemas.openxmlformats.org/presentationml/2006/main">
+  <p:cSld>
+    <p:spTree>
+      <p:nvGrpSpPr>
+        <p:cNvPr id="1" name=""/>
+        <p:cNvGrpSpPr/>
+        <p:nvPr/>
+      </p:nvGrpSpPr>
+      <p:grpSpPr/>
+      <p:pic>
+        <p:nvPicPr>
+          <p:cNvPr id="7170" name="图片 5"/>
+          <p:cNvPicPr>
+            <a:picLocks noChangeAspect="1"/>
+          </p:cNvPicPr>
+          <p:nvPr/>
+        </p:nvPicPr>
+        <p:blipFill>
+          <a:blip r:embed="rId1"/>
+          <a:srcRect b="15288"/>
+          <a:stretch>
+            <a:fillRect/>
+          </a:stretch>
+        </p:blipFill>
+        <p:spPr>
+          <a:xfrm>
+            <a:off x="0" y="0"/>
+            <a:ext cx="12192000" cy="6858000"/>
+          </a:xfrm>
+          <a:prstGeom prst="rect">
+            <a:avLst/>
+          </a:prstGeom>
+          <a:noFill/>
+          <a:ln w="9525">
+            <a:noFill/>
+          </a:ln>
+        </p:spPr>
+      </p:pic>
+      <p:pic>
+        <p:nvPicPr>
+          <p:cNvPr id="7171" name="图片 1"/>
+          <p:cNvPicPr>
+            <a:picLocks noChangeAspect="1"/>
+          </p:cNvPicPr>
+          <p:nvPr/>
+        </p:nvPicPr>
+        <p:blipFill>
+          <a:blip r:embed="rId2"/>
+          <a:srcRect l="32378" t="20253" r="51105" b="53165"/>
+          <a:stretch>
+            <a:fillRect/>
+          </a:stretch>
+        </p:blipFill>
+        <p:spPr>
+          <a:xfrm>
+            <a:off x="3354388" y="207645"/>
+            <a:ext cx="1584325" cy="1330325"/>
+          </a:xfrm>
+          <a:prstGeom prst="rect">
+            <a:avLst/>
+          </a:prstGeom>
+          <a:noFill/>
+          <a:ln w="9525">
+            <a:noFill/>
+          </a:ln>
+        </p:spPr>
+      </p:pic>
+      <p:sp>
+        <p:nvSpPr>
+          <p:cNvPr id="7172" name="文本框 4"/>
+          <p:cNvSpPr txBox="1"/>
+          <p:nvPr/>
+        </p:nvSpPr>
+        <p:spPr>
+          <a:xfrm>
+            <a:off x="3541395" y="519430"/>
+            <a:ext cx="4759960" cy="706755"/>
+          </a:xfrm>
+          <a:prstGeom prst="rect">
+            <a:avLst/>
+          </a:prstGeom>
+          <a:noFill/>
+          <a:ln w="9525">
+            <a:noFill/>
+          </a:ln>
+        </p:spPr>
+        <p:txBody>
+          <a:bodyPr wrap="square">
+            <a:spAutoFit/>
+          </a:bodyPr>
+          <a:lstStyle>
+            <a:lvl1pPr marL="228600" indent="-228600" algn="l" rtl="0" fontAlgn="base">
+              <a:lnSpc>
+                <a:spcPct val="90000"/>
+              </a:lnSpc>
+              <a:spcBef>
+                <a:spcPts val="1000"/>
+              </a:spcBef>
+              <a:spcAft>
+                <a:spcPct val="0"/>
+              </a:spcAft>
+              <a:buFont typeface="Arial" panose="020B0604020202020204" pitchFamily="34" charset="0"/>
+              <a:buChar char="•"/>
+              <a:defRPr sz="2800" kern="1200">
+                <a:solidFill>
+                  <a:schemeClr val="tx1"/>
+                </a:solidFill>
+                <a:latin typeface="+mn-lt"/>
+                <a:ea typeface="+mn-ea"/>
+                <a:cs typeface="+mn-cs"/>
+              </a:defRPr>
+            </a:lvl1pPr>
+            <a:lvl2pPr marL="685800" indent="-228600" algn="l" rtl="0" fontAlgn="base">
+              <a:lnSpc>
+                <a:spcPct val="90000"/>
+              </a:lnSpc>
+              <a:spcBef>
+                <a:spcPts val="500"/>
+              </a:spcBef>
+              <a:spcAft>
+                <a:spcPct val="0"/>
+              </a:spcAft>
+              <a:buFont typeface="Arial" panose="020B0604020202020204" pitchFamily="34" charset="0"/>
+              <a:buChar char="•"/>
+              <a:defRPr sz="2400" kern="1200">
+                <a:solidFill>
+                  <a:schemeClr val="tx1"/>
+                </a:solidFill>
+                <a:latin typeface="+mn-lt"/>
+                <a:ea typeface="+mn-ea"/>
+                <a:cs typeface="+mn-cs"/>
+              </a:defRPr>
+            </a:lvl2pPr>
+            <a:lvl3pPr marL="1143000" indent="-228600" algn="l" rtl="0" fontAlgn="base">
+              <a:lnSpc>
+                <a:spcPct val="90000"/>
+              </a:lnSpc>
+              <a:spcBef>
+                <a:spcPts val="500"/>
+              </a:spcBef>
+              <a:spcAft>
+                <a:spcPct val="0"/>
+              </a:spcAft>
+              <a:buFont typeface="Arial" panose="020B0604020202020204" pitchFamily="34" charset="0"/>
+              <a:buChar char="•"/>
+              <a:defRPr sz="2000" kern="1200">
+                <a:solidFill>
+                  <a:schemeClr val="tx1"/>
+                </a:solidFill>
+                <a:latin typeface="+mn-lt"/>
+                <a:ea typeface="+mn-ea"/>
+                <a:cs typeface="+mn-cs"/>
+              </a:defRPr>
+            </a:lvl3pPr>
+            <a:lvl4pPr marL="1600200" indent="-228600" algn="l" rtl="0" fontAlgn="base">
+              <a:lnSpc>
+                <a:spcPct val="90000"/>
+              </a:lnSpc>
+              <a:spcBef>
+                <a:spcPts val="500"/>
+              </a:spcBef>
+              <a:spcAft>
+                <a:spcPct val="0"/>
+              </a:spcAft>
+              <a:buFont typeface="Arial" panose="020B0604020202020204" pitchFamily="34" charset="0"/>
+              <a:buChar char="•"/>
+              <a:defRPr kern="1200">
+                <a:solidFill>
+                  <a:schemeClr val="tx1"/>
+                </a:solidFill>
+                <a:latin typeface="+mn-lt"/>
+                <a:ea typeface="+mn-ea"/>
+                <a:cs typeface="+mn-cs"/>
+              </a:defRPr>
+            </a:lvl4pPr>
+            <a:lvl5pPr marL="2057400" indent="-228600" algn="l" rtl="0" fontAlgn="base">
+              <a:lnSpc>
+                <a:spcPct val="90000"/>
+              </a:lnSpc>
+              <a:spcBef>
+                <a:spcPts val="500"/>
+              </a:spcBef>
+              <a:spcAft>
+                <a:spcPct val="0"/>
+              </a:spcAft>
+              <a:buFont typeface="Arial" panose="020B0604020202020204" pitchFamily="34" charset="0"/>
+              <a:buChar char="•"/>
+              <a:defRPr kern="1200">
+                <a:solidFill>
+                  <a:schemeClr val="tx1"/>
+                </a:solidFill>
+                <a:latin typeface="+mn-lt"/>
+                <a:ea typeface="+mn-ea"/>
+                <a:cs typeface="+mn-cs"/>
+              </a:defRPr>
+            </a:lvl5pPr>
+          </a:lstStyle>
+          <a:p>
+            <a:pPr marL="0" lvl="0" indent="0" algn="ctr" eaLnBrk="1" hangingPunct="1">
+              <a:lnSpc>
+                <a:spcPct val="100000"/>
+              </a:lnSpc>
+              <a:spcBef>
+                <a:spcPct val="0"/>
+              </a:spcBef>
+              <a:buNone/>
+            </a:pPr>
+            <a:r>
+              <a:rPr lang="zh-CN" altLang="en-US" sz="4000" b="1" dirty="0">
+                <a:solidFill>
+                  <a:srgbClr val="3D6C29"/>
+                </a:solidFill>
+                <a:latin typeface="微软雅黑" panose="020B0503020204020204" pitchFamily="34" charset="-122"/>
+                <a:ea typeface="微软雅黑" panose="020B0503020204020204" pitchFamily="34" charset="-122"/>
+              </a:rPr>
+              <a:t>退款流程</a:t>
+            </a:r>
+            <a:endParaRPr lang="zh-CN" altLang="en-US" sz="4000" b="1" dirty="0">
+              <a:solidFill>
+                <a:srgbClr val="3D6C29"/>
+              </a:solidFill>
+              <a:latin typeface="微软雅黑" panose="020B0503020204020204" pitchFamily="34" charset="-122"/>
+              <a:ea typeface="微软雅黑" panose="020B0503020204020204" pitchFamily="34" charset="-122"/>
+            </a:endParaRPr>
+          </a:p>
+        </p:txBody>
+      </p:sp>
+      <p:pic>
+        <p:nvPicPr>
+          <p:cNvPr id="7173" name="图片 6"/>
+          <p:cNvPicPr>
+            <a:picLocks noChangeAspect="1"/>
+          </p:cNvPicPr>
+          <p:nvPr/>
+        </p:nvPicPr>
+        <p:blipFill>
+          <a:blip r:embed="rId3"/>
+          <a:srcRect l="51105" t="20253" r="32378" b="53165"/>
+          <a:stretch>
+            <a:fillRect/>
+          </a:stretch>
+        </p:blipFill>
+        <p:spPr>
+          <a:xfrm>
+            <a:off x="6913563" y="207645"/>
+            <a:ext cx="1584325" cy="1330325"/>
+          </a:xfrm>
+          <a:prstGeom prst="rect">
+            <a:avLst/>
+          </a:prstGeom>
+          <a:noFill/>
+          <a:ln w="9525">
+            <a:noFill/>
+          </a:ln>
+        </p:spPr>
+      </p:pic>
+      <p:pic>
+        <p:nvPicPr>
+          <p:cNvPr id="3" name="图片 2" descr="退款流程-重绘"/>
+          <p:cNvPicPr>
+            <a:picLocks noChangeAspect="1"/>
+          </p:cNvPicPr>
+          <p:nvPr/>
+        </p:nvPicPr>
+        <p:blipFill>
+          <a:blip r:embed="rId4"/>
+          <a:stretch>
+            <a:fillRect/>
+          </a:stretch>
+        </p:blipFill>
+        <p:spPr>
+          <a:xfrm>
+            <a:off x="4490085" y="1226185"/>
+            <a:ext cx="3211195" cy="5559425"/>
+          </a:xfrm>
+          <a:prstGeom prst="rect">
+            <a:avLst/>
+          </a:prstGeom>
+        </p:spPr>
+      </p:pic>
+    </p:spTree>
+  </p:cSld>
+  <p:clrMapOvr>
+    <a:masterClrMapping/>
+  </p:clrMapOvr>
+</p:sld>
+</file>
+
+<file path=ppt/slides/slide24.xml><?xml version="1.0" encoding="utf-8"?>
+<p:sld xmlns:a="http://schemas.openxmlformats.org/drawingml/2006/main" xmlns:r="http://schemas.openxmlformats.org/officeDocument/2006/relationships" xmlns:p="http://schemas.openxmlformats.org/presentationml/2006/main">
+  <p:cSld>
+    <p:spTree>
+      <p:nvGrpSpPr>
+        <p:cNvPr id="1" name=""/>
+        <p:cNvGrpSpPr/>
+        <p:nvPr/>
+      </p:nvGrpSpPr>
+      <p:grpSpPr/>
+      <p:pic>
+        <p:nvPicPr>
+          <p:cNvPr id="7170" name="图片 5"/>
+          <p:cNvPicPr>
+            <a:picLocks noChangeAspect="1"/>
+          </p:cNvPicPr>
+          <p:nvPr/>
+        </p:nvPicPr>
+        <p:blipFill>
+          <a:blip r:embed="rId1"/>
+          <a:srcRect b="15288"/>
+          <a:stretch>
+            <a:fillRect/>
+          </a:stretch>
+        </p:blipFill>
+        <p:spPr>
+          <a:xfrm>
+            <a:off x="0" y="0"/>
+            <a:ext cx="12192000" cy="6858000"/>
+          </a:xfrm>
+          <a:prstGeom prst="rect">
+            <a:avLst/>
+          </a:prstGeom>
+          <a:noFill/>
+          <a:ln w="9525">
+            <a:noFill/>
+          </a:ln>
+        </p:spPr>
+      </p:pic>
+      <p:pic>
+        <p:nvPicPr>
+          <p:cNvPr id="7171" name="图片 1"/>
+          <p:cNvPicPr>
+            <a:picLocks noChangeAspect="1"/>
+          </p:cNvPicPr>
+          <p:nvPr/>
+        </p:nvPicPr>
+        <p:blipFill>
+          <a:blip r:embed="rId2"/>
+          <a:srcRect l="32378" t="20253" r="51105" b="53165"/>
+          <a:stretch>
+            <a:fillRect/>
+          </a:stretch>
+        </p:blipFill>
+        <p:spPr>
+          <a:xfrm>
+            <a:off x="3354388" y="207645"/>
+            <a:ext cx="1584325" cy="1330325"/>
+          </a:xfrm>
+          <a:prstGeom prst="rect">
+            <a:avLst/>
+          </a:prstGeom>
+          <a:noFill/>
+          <a:ln w="9525">
+            <a:noFill/>
+          </a:ln>
+        </p:spPr>
+      </p:pic>
+      <p:sp>
+        <p:nvSpPr>
+          <p:cNvPr id="7172" name="文本框 4"/>
+          <p:cNvSpPr txBox="1"/>
+          <p:nvPr/>
+        </p:nvSpPr>
+        <p:spPr>
+          <a:xfrm>
+            <a:off x="3541395" y="519430"/>
+            <a:ext cx="4759960" cy="706755"/>
+          </a:xfrm>
+          <a:prstGeom prst="rect">
+            <a:avLst/>
+          </a:prstGeom>
+          <a:noFill/>
+          <a:ln w="9525">
+            <a:noFill/>
+          </a:ln>
+        </p:spPr>
+        <p:txBody>
+          <a:bodyPr wrap="square">
+            <a:spAutoFit/>
+          </a:bodyPr>
+          <a:lstStyle>
+            <a:lvl1pPr marL="228600" indent="-228600" algn="l" rtl="0" fontAlgn="base">
+              <a:lnSpc>
+                <a:spcPct val="90000"/>
+              </a:lnSpc>
+              <a:spcBef>
+                <a:spcPts val="1000"/>
+              </a:spcBef>
+              <a:spcAft>
+                <a:spcPct val="0"/>
+              </a:spcAft>
+              <a:buFont typeface="Arial" panose="020B0604020202020204" pitchFamily="34" charset="0"/>
+              <a:buChar char="•"/>
+              <a:defRPr sz="2800" kern="1200">
+                <a:solidFill>
+                  <a:schemeClr val="tx1"/>
+                </a:solidFill>
+                <a:latin typeface="+mn-lt"/>
+                <a:ea typeface="+mn-ea"/>
+                <a:cs typeface="+mn-cs"/>
+              </a:defRPr>
+            </a:lvl1pPr>
+            <a:lvl2pPr marL="685800" indent="-228600" algn="l" rtl="0" fontAlgn="base">
+              <a:lnSpc>
+                <a:spcPct val="90000"/>
+              </a:lnSpc>
+              <a:spcBef>
+                <a:spcPts val="500"/>
+              </a:spcBef>
+              <a:spcAft>
+                <a:spcPct val="0"/>
+              </a:spcAft>
+              <a:buFont typeface="Arial" panose="020B0604020202020204" pitchFamily="34" charset="0"/>
+              <a:buChar char="•"/>
+              <a:defRPr sz="2400" kern="1200">
+                <a:solidFill>
+                  <a:schemeClr val="tx1"/>
+                </a:solidFill>
+                <a:latin typeface="+mn-lt"/>
+                <a:ea typeface="+mn-ea"/>
+                <a:cs typeface="+mn-cs"/>
+              </a:defRPr>
+            </a:lvl2pPr>
+            <a:lvl3pPr marL="1143000" indent="-228600" algn="l" rtl="0" fontAlgn="base">
+              <a:lnSpc>
+                <a:spcPct val="90000"/>
+              </a:lnSpc>
+              <a:spcBef>
+                <a:spcPts val="500"/>
+              </a:spcBef>
+              <a:spcAft>
+                <a:spcPct val="0"/>
+              </a:spcAft>
+              <a:buFont typeface="Arial" panose="020B0604020202020204" pitchFamily="34" charset="0"/>
+              <a:buChar char="•"/>
+              <a:defRPr sz="2000" kern="1200">
+                <a:solidFill>
+                  <a:schemeClr val="tx1"/>
+                </a:solidFill>
+                <a:latin typeface="+mn-lt"/>
+                <a:ea typeface="+mn-ea"/>
+                <a:cs typeface="+mn-cs"/>
+              </a:defRPr>
+            </a:lvl3pPr>
+            <a:lvl4pPr marL="1600200" indent="-228600" algn="l" rtl="0" fontAlgn="base">
+              <a:lnSpc>
+                <a:spcPct val="90000"/>
+              </a:lnSpc>
+              <a:spcBef>
+                <a:spcPts val="500"/>
+              </a:spcBef>
+              <a:spcAft>
+                <a:spcPct val="0"/>
+              </a:spcAft>
+              <a:buFont typeface="Arial" panose="020B0604020202020204" pitchFamily="34" charset="0"/>
+              <a:buChar char="•"/>
+              <a:defRPr kern="1200">
+                <a:solidFill>
+                  <a:schemeClr val="tx1"/>
+                </a:solidFill>
+                <a:latin typeface="+mn-lt"/>
+                <a:ea typeface="+mn-ea"/>
+                <a:cs typeface="+mn-cs"/>
+              </a:defRPr>
+            </a:lvl4pPr>
+            <a:lvl5pPr marL="2057400" indent="-228600" algn="l" rtl="0" fontAlgn="base">
+              <a:lnSpc>
+                <a:spcPct val="90000"/>
+              </a:lnSpc>
+              <a:spcBef>
+                <a:spcPts val="500"/>
+              </a:spcBef>
+              <a:spcAft>
+                <a:spcPct val="0"/>
+              </a:spcAft>
+              <a:buFont typeface="Arial" panose="020B0604020202020204" pitchFamily="34" charset="0"/>
+              <a:buChar char="•"/>
+              <a:defRPr kern="1200">
+                <a:solidFill>
+                  <a:schemeClr val="tx1"/>
+                </a:solidFill>
+                <a:latin typeface="+mn-lt"/>
+                <a:ea typeface="+mn-ea"/>
+                <a:cs typeface="+mn-cs"/>
+              </a:defRPr>
+            </a:lvl5pPr>
+          </a:lstStyle>
+          <a:p>
+            <a:pPr marL="0" lvl="0" indent="0" algn="ctr" eaLnBrk="1" hangingPunct="1">
+              <a:lnSpc>
+                <a:spcPct val="100000"/>
+              </a:lnSpc>
+              <a:spcBef>
+                <a:spcPct val="0"/>
+              </a:spcBef>
+              <a:buNone/>
+            </a:pPr>
+            <a:r>
+              <a:rPr lang="zh-CN" altLang="en-US" sz="4000" b="1" dirty="0">
+                <a:solidFill>
+                  <a:srgbClr val="3D6C29"/>
+                </a:solidFill>
+                <a:latin typeface="微软雅黑" panose="020B0503020204020204" pitchFamily="34" charset="-122"/>
+                <a:ea typeface="微软雅黑" panose="020B0503020204020204" pitchFamily="34" charset="-122"/>
+              </a:rPr>
+              <a:t>退款状态</a:t>
+            </a:r>
+            <a:endParaRPr lang="zh-CN" altLang="en-US" sz="4000" b="1" dirty="0">
+              <a:solidFill>
+                <a:srgbClr val="3D6C29"/>
+              </a:solidFill>
+              <a:latin typeface="微软雅黑" panose="020B0503020204020204" pitchFamily="34" charset="-122"/>
+              <a:ea typeface="微软雅黑" panose="020B0503020204020204" pitchFamily="34" charset="-122"/>
+            </a:endParaRPr>
+          </a:p>
+        </p:txBody>
+      </p:sp>
+      <p:pic>
+        <p:nvPicPr>
+          <p:cNvPr id="7173" name="图片 6"/>
+          <p:cNvPicPr>
+            <a:picLocks noChangeAspect="1"/>
+          </p:cNvPicPr>
+          <p:nvPr/>
+        </p:nvPicPr>
+        <p:blipFill>
+          <a:blip r:embed="rId3"/>
+          <a:srcRect l="51105" t="20253" r="32378" b="53165"/>
+          <a:stretch>
+            <a:fillRect/>
+          </a:stretch>
+        </p:blipFill>
+        <p:spPr>
+          <a:xfrm>
+            <a:off x="6913563" y="207645"/>
+            <a:ext cx="1584325" cy="1330325"/>
+          </a:xfrm>
+          <a:prstGeom prst="rect">
+            <a:avLst/>
+          </a:prstGeom>
+          <a:noFill/>
+          <a:ln w="9525">
+            <a:noFill/>
+          </a:ln>
+        </p:spPr>
+      </p:pic>
+      <p:pic>
+        <p:nvPicPr>
+          <p:cNvPr id="2" name="图片 1" descr="退款状态-重绘"/>
+          <p:cNvPicPr>
+            <a:picLocks noChangeAspect="1"/>
+          </p:cNvPicPr>
+          <p:nvPr/>
+        </p:nvPicPr>
+        <p:blipFill>
+          <a:blip r:embed="rId4"/>
+          <a:stretch>
+            <a:fillRect/>
+          </a:stretch>
+        </p:blipFill>
+        <p:spPr>
+          <a:xfrm>
+            <a:off x="4162425" y="1226185"/>
+            <a:ext cx="3518535" cy="5549900"/>
+          </a:xfrm>
+          <a:prstGeom prst="rect">
+            <a:avLst/>
+          </a:prstGeom>
         </p:spPr>
       </p:pic>
     </p:spTree>
